--- a/ИСиТ/Занятие 1.pptx
+++ b/ИСиТ/Занятие 1.pptx
@@ -244,7 +244,7 @@
           <a:p>
             <a:fld id="{29DDC87B-8C4C-4AD5-8A6A-3CDAE89B9DDA}" type="datetimeFigureOut">
               <a:rPr lang="en-US" smtClean="0"/>
-              <a:t>9/2/2021</a:t>
+              <a:t>9/3/2021</a:t>
             </a:fld>
             <a:endParaRPr lang="en-US"/>
           </a:p>
@@ -3668,7 +3668,7 @@
           <a:p>
             <a:fld id="{23896B6A-7A97-445D-9CB6-96CDEF35B7C3}" type="datetimeFigureOut">
               <a:rPr lang="en-US" smtClean="0"/>
-              <a:t>9/2/2021</a:t>
+              <a:t>9/3/2021</a:t>
             </a:fld>
             <a:endParaRPr lang="en-US" dirty="0"/>
           </a:p>
@@ -3838,7 +3838,7 @@
           <a:p>
             <a:fld id="{23896B6A-7A97-445D-9CB6-96CDEF35B7C3}" type="datetimeFigureOut">
               <a:rPr lang="en-US" smtClean="0"/>
-              <a:t>9/2/2021</a:t>
+              <a:t>9/3/2021</a:t>
             </a:fld>
             <a:endParaRPr lang="en-US" dirty="0"/>
           </a:p>
@@ -4018,7 +4018,7 @@
           <a:p>
             <a:fld id="{23896B6A-7A97-445D-9CB6-96CDEF35B7C3}" type="datetimeFigureOut">
               <a:rPr lang="en-US" smtClean="0"/>
-              <a:t>9/2/2021</a:t>
+              <a:t>9/3/2021</a:t>
             </a:fld>
             <a:endParaRPr lang="en-US" dirty="0"/>
           </a:p>
@@ -4188,7 +4188,7 @@
           <a:p>
             <a:fld id="{23896B6A-7A97-445D-9CB6-96CDEF35B7C3}" type="datetimeFigureOut">
               <a:rPr lang="en-US" smtClean="0"/>
-              <a:t>9/2/2021</a:t>
+              <a:t>9/3/2021</a:t>
             </a:fld>
             <a:endParaRPr lang="en-US" dirty="0"/>
           </a:p>
@@ -4434,7 +4434,7 @@
           <a:p>
             <a:fld id="{23896B6A-7A97-445D-9CB6-96CDEF35B7C3}" type="datetimeFigureOut">
               <a:rPr lang="en-US" smtClean="0"/>
-              <a:t>9/2/2021</a:t>
+              <a:t>9/3/2021</a:t>
             </a:fld>
             <a:endParaRPr lang="en-US" dirty="0"/>
           </a:p>
@@ -4666,7 +4666,7 @@
           <a:p>
             <a:fld id="{23896B6A-7A97-445D-9CB6-96CDEF35B7C3}" type="datetimeFigureOut">
               <a:rPr lang="en-US" smtClean="0"/>
-              <a:t>9/2/2021</a:t>
+              <a:t>9/3/2021</a:t>
             </a:fld>
             <a:endParaRPr lang="en-US" dirty="0"/>
           </a:p>
@@ -5033,7 +5033,7 @@
           <a:p>
             <a:fld id="{23896B6A-7A97-445D-9CB6-96CDEF35B7C3}" type="datetimeFigureOut">
               <a:rPr lang="en-US" smtClean="0"/>
-              <a:t>9/2/2021</a:t>
+              <a:t>9/3/2021</a:t>
             </a:fld>
             <a:endParaRPr lang="en-US" dirty="0"/>
           </a:p>
@@ -5151,7 +5151,7 @@
           <a:p>
             <a:fld id="{23896B6A-7A97-445D-9CB6-96CDEF35B7C3}" type="datetimeFigureOut">
               <a:rPr lang="en-US" smtClean="0"/>
-              <a:t>9/2/2021</a:t>
+              <a:t>9/3/2021</a:t>
             </a:fld>
             <a:endParaRPr lang="en-US" dirty="0"/>
           </a:p>
@@ -5246,7 +5246,7 @@
           <a:p>
             <a:fld id="{23896B6A-7A97-445D-9CB6-96CDEF35B7C3}" type="datetimeFigureOut">
               <a:rPr lang="en-US" smtClean="0"/>
-              <a:t>9/2/2021</a:t>
+              <a:t>9/3/2021</a:t>
             </a:fld>
             <a:endParaRPr lang="en-US" dirty="0"/>
           </a:p>
@@ -5523,7 +5523,7 @@
           <a:p>
             <a:fld id="{23896B6A-7A97-445D-9CB6-96CDEF35B7C3}" type="datetimeFigureOut">
               <a:rPr lang="en-US" smtClean="0"/>
-              <a:t>9/2/2021</a:t>
+              <a:t>9/3/2021</a:t>
             </a:fld>
             <a:endParaRPr lang="en-US" dirty="0"/>
           </a:p>
@@ -5779,7 +5779,7 @@
           <a:p>
             <a:fld id="{23896B6A-7A97-445D-9CB6-96CDEF35B7C3}" type="datetimeFigureOut">
               <a:rPr lang="en-US" smtClean="0"/>
-              <a:t>9/2/2021</a:t>
+              <a:t>9/3/2021</a:t>
             </a:fld>
             <a:endParaRPr lang="en-US" dirty="0"/>
           </a:p>
@@ -5992,7 +5992,7 @@
           <a:p>
             <a:fld id="{23896B6A-7A97-445D-9CB6-96CDEF35B7C3}" type="datetimeFigureOut">
               <a:rPr lang="en-US" smtClean="0"/>
-              <a:t>9/2/2021</a:t>
+              <a:t>9/3/2021</a:t>
             </a:fld>
             <a:endParaRPr lang="en-US" dirty="0"/>
           </a:p>
@@ -9722,11 +9722,87 @@
         </p:blipFill>
         <p:spPr>
           <a:xfrm>
-            <a:off x="1769487" y="1690688"/>
+            <a:off x="1769487" y="1427642"/>
             <a:ext cx="8653025" cy="4213654"/>
           </a:xfrm>
         </p:spPr>
       </p:pic>
+      <p:sp>
+        <p:nvSpPr>
+          <p:cNvPr id="4" name="TextBox 3">
+            <a:extLst>
+              <a:ext uri="{FF2B5EF4-FFF2-40B4-BE49-F238E27FC236}">
+                <a16:creationId xmlns:a16="http://schemas.microsoft.com/office/drawing/2014/main" id="{ED48B124-42AE-4A4B-8F1F-5D2CC15210A8}"/>
+              </a:ext>
+            </a:extLst>
+          </p:cNvPr>
+          <p:cNvSpPr txBox="1"/>
+          <p:nvPr/>
+        </p:nvSpPr>
+        <p:spPr>
+          <a:xfrm>
+            <a:off x="507996" y="5918856"/>
+            <a:ext cx="5571068" cy="523220"/>
+          </a:xfrm>
+          <a:prstGeom prst="rect">
+            <a:avLst/>
+          </a:prstGeom>
+          <a:noFill/>
+        </p:spPr>
+        <p:txBody>
+          <a:bodyPr wrap="square">
+            <a:spAutoFit/>
+          </a:bodyPr>
+          <a:lstStyle/>
+          <a:p>
+            <a:pPr algn="ctr"/>
+            <a:r>
+              <a:rPr lang="en-US" sz="2800" dirty="0"/>
+              <a:t>Visual Studio Code — clck.ru/9Yecp</a:t>
+            </a:r>
+          </a:p>
+        </p:txBody>
+      </p:sp>
+      <p:sp>
+        <p:nvSpPr>
+          <p:cNvPr id="6" name="TextBox 5">
+            <a:extLst>
+              <a:ext uri="{FF2B5EF4-FFF2-40B4-BE49-F238E27FC236}">
+                <a16:creationId xmlns:a16="http://schemas.microsoft.com/office/drawing/2014/main" id="{73FD86F7-E781-43D2-9C3B-A7D150A847A9}"/>
+              </a:ext>
+            </a:extLst>
+          </p:cNvPr>
+          <p:cNvSpPr txBox="1"/>
+          <p:nvPr/>
+        </p:nvSpPr>
+        <p:spPr>
+          <a:xfrm>
+            <a:off x="5952071" y="5918856"/>
+            <a:ext cx="6096000" cy="523220"/>
+          </a:xfrm>
+          <a:prstGeom prst="rect">
+            <a:avLst/>
+          </a:prstGeom>
+          <a:noFill/>
+        </p:spPr>
+        <p:txBody>
+          <a:bodyPr wrap="square">
+            <a:spAutoFit/>
+          </a:bodyPr>
+          <a:lstStyle/>
+          <a:p>
+            <a:pPr algn="ctr"/>
+            <a:r>
+              <a:rPr lang="ru-RU" sz="2800" dirty="0"/>
+              <a:t>Настройка </a:t>
+            </a:r>
+            <a:r>
+              <a:rPr lang="en-US" sz="2800" dirty="0"/>
+              <a:t>VSC — clck.ru/XD4zB</a:t>
+            </a:r>
+          </a:p>
+        </p:txBody>
+      </p:sp>
     </p:spTree>
     <p:extLst>
       <p:ext uri="{BB962C8B-B14F-4D97-AF65-F5344CB8AC3E}">
